--- a/data-reportautomation/style.pptx
+++ b/data-reportautomation/style.pptx
@@ -14,7 +14,7 @@
   <p:notesSz cx="6858000" cy="9144000"/>
   <p:embeddedFontLst>
     <p:embeddedFont>
-      <p:font typeface="Sennheiser Office" panose="020B0504020101010102" charset="0"/>
+      <p:font typeface="Sennheiser Office" panose="020B0504020101010102" pitchFamily="34" charset="0"/>
       <p:regular r:id="rId4"/>
       <p:bold r:id="rId5"/>
       <p:italic r:id="rId6"/>
@@ -173,7 +173,7 @@
 <file path=ppt/revisionInfo.xml><?xml version="1.0" encoding="utf-8"?>
 <p1510:revInfo xmlns:a="http://schemas.openxmlformats.org/drawingml/2006/main" xmlns:r="http://schemas.openxmlformats.org/officeDocument/2006/relationships" xmlns:p1510="http://schemas.microsoft.com/office/powerpoint/2015/10/main">
   <p1510:revLst>
-    <p1510:client id="{7986EF43-3D3D-4C30-93B1-E97EE9202062}" v="5" dt="2021-02-05T19:59:01.077"/>
+    <p1510:client id="{01FF11A2-00F5-4052-ABF5-D5596697278E}" v="1" dt="2022-07-22T13:29:36.282"/>
   </p1510:revLst>
 </p1510:revInfo>
 </file>
@@ -297,6 +297,66 @@
               <pc:sldMasterMk cId="3455648403" sldId="2147483648"/>
               <pc:sldLayoutMk cId="676625507" sldId="2147483656"/>
               <ac:spMk id="7" creationId="{16DF2D63-E569-49CF-A490-49CBA6D73032}"/>
+            </ac:spMkLst>
+          </pc:spChg>
+        </pc:sldLayoutChg>
+      </pc:sldMasterChg>
+    </pc:docChg>
+  </pc:docChgLst>
+  <pc:docChgLst>
+    <pc:chgData name="Lienemann, Arne" userId="be6de876-7fba-4a79-85a8-95c124b56fb5" providerId="ADAL" clId="{01FF11A2-00F5-4052-ABF5-D5596697278E}"/>
+    <pc:docChg chg="custSel modMainMaster">
+      <pc:chgData name="Lienemann, Arne" userId="be6de876-7fba-4a79-85a8-95c124b56fb5" providerId="ADAL" clId="{01FF11A2-00F5-4052-ABF5-D5596697278E}" dt="2022-07-22T13:29:36.282" v="1"/>
+      <pc:docMkLst>
+        <pc:docMk/>
+      </pc:docMkLst>
+      <pc:sldMasterChg chg="modSldLayout">
+        <pc:chgData name="Lienemann, Arne" userId="be6de876-7fba-4a79-85a8-95c124b56fb5" providerId="ADAL" clId="{01FF11A2-00F5-4052-ABF5-D5596697278E}" dt="2022-07-22T13:29:36.282" v="1"/>
+        <pc:sldMasterMkLst>
+          <pc:docMk/>
+          <pc:sldMasterMk cId="3455648403" sldId="2147483648"/>
+        </pc:sldMasterMkLst>
+        <pc:sldLayoutChg chg="addSp delSp modSp mod">
+          <pc:chgData name="Lienemann, Arne" userId="be6de876-7fba-4a79-85a8-95c124b56fb5" providerId="ADAL" clId="{01FF11A2-00F5-4052-ABF5-D5596697278E}" dt="2022-07-22T13:29:36.282" v="1"/>
+          <pc:sldLayoutMkLst>
+            <pc:docMk/>
+            <pc:sldMasterMk cId="3455648403" sldId="2147483648"/>
+            <pc:sldLayoutMk cId="676625507" sldId="2147483656"/>
+          </pc:sldLayoutMkLst>
+          <pc:spChg chg="del">
+            <ac:chgData name="Lienemann, Arne" userId="be6de876-7fba-4a79-85a8-95c124b56fb5" providerId="ADAL" clId="{01FF11A2-00F5-4052-ABF5-D5596697278E}" dt="2022-07-22T13:29:31.686" v="0" actId="478"/>
+            <ac:spMkLst>
+              <pc:docMk/>
+              <pc:sldMasterMk cId="3455648403" sldId="2147483648"/>
+              <pc:sldLayoutMk cId="676625507" sldId="2147483656"/>
+              <ac:spMk id="5" creationId="{E602907A-0678-4FE6-AE19-4AC8597480FA}"/>
+            </ac:spMkLst>
+          </pc:spChg>
+          <pc:spChg chg="add mod">
+            <ac:chgData name="Lienemann, Arne" userId="be6de876-7fba-4a79-85a8-95c124b56fb5" providerId="ADAL" clId="{01FF11A2-00F5-4052-ABF5-D5596697278E}" dt="2022-07-22T13:29:36.282" v="1"/>
+            <ac:spMkLst>
+              <pc:docMk/>
+              <pc:sldMasterMk cId="3455648403" sldId="2147483648"/>
+              <pc:sldLayoutMk cId="676625507" sldId="2147483656"/>
+              <ac:spMk id="6" creationId="{5AB2C033-831E-42C9-9A1D-C777B408BFC2}"/>
+            </ac:spMkLst>
+          </pc:spChg>
+          <pc:spChg chg="del">
+            <ac:chgData name="Lienemann, Arne" userId="be6de876-7fba-4a79-85a8-95c124b56fb5" providerId="ADAL" clId="{01FF11A2-00F5-4052-ABF5-D5596697278E}" dt="2022-07-22T13:29:31.686" v="0" actId="478"/>
+            <ac:spMkLst>
+              <pc:docMk/>
+              <pc:sldMasterMk cId="3455648403" sldId="2147483648"/>
+              <pc:sldLayoutMk cId="676625507" sldId="2147483656"/>
+              <ac:spMk id="7" creationId="{16DF2D63-E569-49CF-A490-49CBA6D73032}"/>
+            </ac:spMkLst>
+          </pc:spChg>
+          <pc:spChg chg="add mod">
+            <ac:chgData name="Lienemann, Arne" userId="be6de876-7fba-4a79-85a8-95c124b56fb5" providerId="ADAL" clId="{01FF11A2-00F5-4052-ABF5-D5596697278E}" dt="2022-07-22T13:29:36.282" v="1"/>
+            <ac:spMkLst>
+              <pc:docMk/>
+              <pc:sldMasterMk cId="3455648403" sldId="2147483648"/>
+              <pc:sldLayoutMk cId="676625507" sldId="2147483656"/>
+              <ac:spMk id="8" creationId="{0D951B71-FF27-4525-847E-8CA4D0922935}"/>
             </ac:spMkLst>
           </pc:spChg>
         </pc:sldLayoutChg>
@@ -565,7 +625,7 @@
           <a:p>
             <a:fld id="{C272F1FB-6EB7-4E5D-BAA7-AC23F8B401F7}" type="datetimeFigureOut">
               <a:rPr lang="de-DE" smtClean="0"/>
-              <a:t>05.02.2021</a:t>
+              <a:t>22.07.2022</a:t>
             </a:fld>
             <a:endParaRPr lang="de-DE"/>
           </a:p>
@@ -730,7 +790,7 @@
           <a:p>
             <a:fld id="{754A9DE8-F0EE-4281-B048-76ED942F3380}" type="datetimeFigureOut">
               <a:rPr lang="de-DE" smtClean="0"/>
-              <a:t>05.02.2021</a:t>
+              <a:t>22.07.2022</a:t>
             </a:fld>
             <a:endParaRPr lang="de-DE"/>
           </a:p>
@@ -3872,10 +3932,10 @@
       </p:sp>
       <p:sp>
         <p:nvSpPr>
-          <p:cNvPr id="7" name="Textplatzhalter 6">
+          <p:cNvPr id="6" name="Fußzeilenplatzhalter 4">
             <a:extLst>
               <a:ext uri="{FF2B5EF4-FFF2-40B4-BE49-F238E27FC236}">
-                <a16:creationId xmlns:a16="http://schemas.microsoft.com/office/drawing/2014/main" id="{16DF2D63-E569-49CF-A490-49CBA6D73032}"/>
+                <a16:creationId xmlns:a16="http://schemas.microsoft.com/office/drawing/2014/main" id="{5AB2C033-831E-42C9-9A1D-C777B408BFC2}"/>
               </a:ext>
             </a:extLst>
           </p:cNvPr>
@@ -3883,70 +3943,32 @@
             <a:spLocks noGrp="1"/>
           </p:cNvSpPr>
           <p:nvPr>
-            <p:ph type="body" sz="quarter" idx="12"/>
+            <p:ph type="ftr" sz="quarter" idx="11"/>
           </p:nvPr>
         </p:nvSpPr>
         <p:spPr>
           <a:xfrm>
-            <a:off x="658813" y="6445251"/>
-            <a:ext cx="396627" cy="152101"/>
+            <a:off x="1019436" y="6444865"/>
+            <a:ext cx="8640502" cy="188491"/>
           </a:xfrm>
         </p:spPr>
         <p:txBody>
           <a:bodyPr/>
-          <a:lstStyle>
-            <a:lvl1pPr>
-              <a:buNone/>
-              <a:defRPr sz="900">
-                <a:solidFill>
-                  <a:schemeClr val="accent1"/>
-                </a:solidFill>
-              </a:defRPr>
-            </a:lvl1pPr>
-            <a:lvl2pPr>
-              <a:defRPr sz="900">
-                <a:solidFill>
-                  <a:schemeClr val="accent1"/>
-                </a:solidFill>
-              </a:defRPr>
-            </a:lvl2pPr>
-            <a:lvl3pPr>
-              <a:defRPr sz="900">
-                <a:solidFill>
-                  <a:schemeClr val="accent1"/>
-                </a:solidFill>
-              </a:defRPr>
-            </a:lvl3pPr>
-            <a:lvl4pPr>
-              <a:defRPr sz="900">
-                <a:solidFill>
-                  <a:schemeClr val="accent1"/>
-                </a:solidFill>
-              </a:defRPr>
-            </a:lvl4pPr>
-            <a:lvl5pPr>
-              <a:defRPr sz="900">
-                <a:solidFill>
-                  <a:schemeClr val="accent1"/>
-                </a:solidFill>
-              </a:defRPr>
-            </a:lvl5pPr>
-          </a:lstStyle>
-          <a:p>
-            <a:pPr lvl="0"/>
-            <a:r>
-              <a:rPr lang="de-DE" dirty="0"/>
-              <a:t>Mastertextformat bearbeiten</a:t>
-            </a:r>
-          </a:p>
-        </p:txBody>
-      </p:sp>
-      <p:sp>
-        <p:nvSpPr>
-          <p:cNvPr id="5" name="Textplatzhalter 6">
+          <a:lstStyle/>
+          <a:p>
+            <a:r>
+              <a:rPr lang="en-US" noProof="0"/>
+              <a:t>Smart Control App Survey - Sennheiser Explorers Community - November 2020</a:t>
+            </a:r>
+          </a:p>
+        </p:txBody>
+      </p:sp>
+      <p:sp>
+        <p:nvSpPr>
+          <p:cNvPr id="8" name="Foliennummernplatzhalter 5">
             <a:extLst>
               <a:ext uri="{FF2B5EF4-FFF2-40B4-BE49-F238E27FC236}">
-                <a16:creationId xmlns:a16="http://schemas.microsoft.com/office/drawing/2014/main" id="{E602907A-0678-4FE6-AE19-4AC8597480FA}"/>
+                <a16:creationId xmlns:a16="http://schemas.microsoft.com/office/drawing/2014/main" id="{0D951B71-FF27-4525-847E-8CA4D0922935}"/>
               </a:ext>
             </a:extLst>
           </p:cNvPr>
@@ -3954,61 +3976,24 @@
             <a:spLocks noGrp="1"/>
           </p:cNvSpPr>
           <p:nvPr>
-            <p:ph type="body" sz="quarter" idx="13"/>
+            <p:ph type="sldNum" sz="quarter" idx="12"/>
           </p:nvPr>
         </p:nvSpPr>
         <p:spPr>
           <a:xfrm>
-            <a:off x="1071051" y="6445251"/>
-            <a:ext cx="8588887" cy="152101"/>
+            <a:off x="658814" y="6444865"/>
+            <a:ext cx="360362" cy="188491"/>
           </a:xfrm>
         </p:spPr>
         <p:txBody>
           <a:bodyPr/>
-          <a:lstStyle>
-            <a:lvl1pPr>
-              <a:buNone/>
-              <a:defRPr sz="900">
-                <a:solidFill>
-                  <a:schemeClr val="accent1"/>
-                </a:solidFill>
-              </a:defRPr>
-            </a:lvl1pPr>
-            <a:lvl2pPr>
-              <a:defRPr sz="900">
-                <a:solidFill>
-                  <a:schemeClr val="accent1"/>
-                </a:solidFill>
-              </a:defRPr>
-            </a:lvl2pPr>
-            <a:lvl3pPr>
-              <a:defRPr sz="900">
-                <a:solidFill>
-                  <a:schemeClr val="accent1"/>
-                </a:solidFill>
-              </a:defRPr>
-            </a:lvl3pPr>
-            <a:lvl4pPr>
-              <a:defRPr sz="900">
-                <a:solidFill>
-                  <a:schemeClr val="accent1"/>
-                </a:solidFill>
-              </a:defRPr>
-            </a:lvl4pPr>
-            <a:lvl5pPr>
-              <a:defRPr sz="900">
-                <a:solidFill>
-                  <a:schemeClr val="accent1"/>
-                </a:solidFill>
-              </a:defRPr>
-            </a:lvl5pPr>
-          </a:lstStyle>
-          <a:p>
-            <a:pPr lvl="0"/>
-            <a:r>
-              <a:rPr lang="de-DE" dirty="0"/>
-              <a:t>Mastertextformat bearbeiten</a:t>
-            </a:r>
+          <a:lstStyle/>
+          <a:p>
+            <a:fld id="{982BCA0A-7ABF-4912-BC59-85D880278D01}" type="slidenum">
+              <a:rPr lang="en-US" noProof="0" smtClean="0"/>
+              <a:t>‹Nr.›</a:t>
+            </a:fld>
+            <a:endParaRPr lang="en-US" noProof="0"/>
           </a:p>
         </p:txBody>
       </p:sp>
